--- a/amg-demo/demo.pptx
+++ b/amg-demo/demo.pptx
@@ -338,7 +338,7 @@
               <a:pPr>
                 <a:defRPr/>
               </a:pPr>
-              <a:t>2/6/23</a:t>
+              <a:t>2/27/23</a:t>
             </a:fld>
             <a:endParaRPr lang="en-US" dirty="0"/>
           </a:p>
@@ -19843,12 +19843,54 @@
           </a:p>
         </p:txBody>
       </p:sp>
+      <p:sp>
+        <p:nvSpPr>
+          <p:cNvPr id="10" name="TextBox 9">
+            <a:extLst>
+              <a:ext uri="{FF2B5EF4-FFF2-40B4-BE49-F238E27FC236}">
+                <a16:creationId xmlns:a16="http://schemas.microsoft.com/office/drawing/2014/main" id="{A8B8C527-932F-8746-0AD4-D747DDEDC180}"/>
+              </a:ext>
+            </a:extLst>
+          </p:cNvPr>
+          <p:cNvSpPr txBox="1"/>
+          <p:nvPr/>
+        </p:nvSpPr>
+        <p:spPr>
+          <a:xfrm>
+            <a:off x="318498" y="421241"/>
+            <a:ext cx="835485" cy="461665"/>
+          </a:xfrm>
+          <a:prstGeom prst="rect">
+            <a:avLst/>
+          </a:prstGeom>
+          <a:noFill/>
+        </p:spPr>
+        <p:txBody>
+          <a:bodyPr wrap="none" rtlCol="0">
+            <a:spAutoFit/>
+          </a:bodyPr>
+          <a:lstStyle/>
+          <a:p>
+            <a:r>
+              <a:rPr lang="en-CN" sz="2400" dirty="0">
+                <a:solidFill>
+                  <a:schemeClr val="bg1"/>
+                </a:solidFill>
+                <a:latin typeface="Amazon Ember" panose="020B0603020204020204" pitchFamily="34" charset="0"/>
+                <a:ea typeface="Amazon Ember" panose="020B0603020204020204" pitchFamily="34" charset="0"/>
+                <a:cs typeface="Amazon Ember" panose="020B0603020204020204" pitchFamily="34" charset="0"/>
+              </a:rPr>
+              <a:t>Logs</a:t>
+            </a:r>
+          </a:p>
+        </p:txBody>
+      </p:sp>
       <p:pic>
         <p:nvPicPr>
-          <p:cNvPr id="9" name="Picture 8">
-            <a:extLst>
-              <a:ext uri="{FF2B5EF4-FFF2-40B4-BE49-F238E27FC236}">
-                <a16:creationId xmlns:a16="http://schemas.microsoft.com/office/drawing/2014/main" id="{057E6193-F806-FCD7-155F-1CD7E1F0B757}"/>
+          <p:cNvPr id="2" name="Picture 1">
+            <a:extLst>
+              <a:ext uri="{FF2B5EF4-FFF2-40B4-BE49-F238E27FC236}">
+                <a16:creationId xmlns:a16="http://schemas.microsoft.com/office/drawing/2014/main" id="{4804FBC8-6157-6B8C-FB22-3749754DAE1D}"/>
               </a:ext>
             </a:extLst>
           </p:cNvPr>
@@ -19865,56 +19907,14 @@
         </p:blipFill>
         <p:spPr>
           <a:xfrm>
-            <a:off x="1494229" y="940338"/>
-            <a:ext cx="8118927" cy="4977324"/>
+            <a:off x="1661160" y="754662"/>
+            <a:ext cx="8722360" cy="4953438"/>
           </a:xfrm>
           <a:prstGeom prst="rect">
             <a:avLst/>
           </a:prstGeom>
         </p:spPr>
       </p:pic>
-      <p:sp>
-        <p:nvSpPr>
-          <p:cNvPr id="10" name="TextBox 9">
-            <a:extLst>
-              <a:ext uri="{FF2B5EF4-FFF2-40B4-BE49-F238E27FC236}">
-                <a16:creationId xmlns:a16="http://schemas.microsoft.com/office/drawing/2014/main" id="{A8B8C527-932F-8746-0AD4-D747DDEDC180}"/>
-              </a:ext>
-            </a:extLst>
-          </p:cNvPr>
-          <p:cNvSpPr txBox="1"/>
-          <p:nvPr/>
-        </p:nvSpPr>
-        <p:spPr>
-          <a:xfrm>
-            <a:off x="318498" y="421241"/>
-            <a:ext cx="835485" cy="461665"/>
-          </a:xfrm>
-          <a:prstGeom prst="rect">
-            <a:avLst/>
-          </a:prstGeom>
-          <a:noFill/>
-        </p:spPr>
-        <p:txBody>
-          <a:bodyPr wrap="none" rtlCol="0">
-            <a:spAutoFit/>
-          </a:bodyPr>
-          <a:lstStyle/>
-          <a:p>
-            <a:r>
-              <a:rPr lang="en-CN" sz="2400" dirty="0">
-                <a:solidFill>
-                  <a:schemeClr val="bg1"/>
-                </a:solidFill>
-                <a:latin typeface="Amazon Ember" panose="020B0603020204020204" pitchFamily="34" charset="0"/>
-                <a:ea typeface="Amazon Ember" panose="020B0603020204020204" pitchFamily="34" charset="0"/>
-                <a:cs typeface="Amazon Ember" panose="020B0603020204020204" pitchFamily="34" charset="0"/>
-              </a:rPr>
-              <a:t>Logs</a:t>
-            </a:r>
-          </a:p>
-        </p:txBody>
-      </p:sp>
     </p:spTree>
     <p:extLst>
       <p:ext uri="{BB962C8B-B14F-4D97-AF65-F5344CB8AC3E}">
@@ -20056,10 +20056,10 @@
       </p:sp>
       <p:pic>
         <p:nvPicPr>
-          <p:cNvPr id="2" name="Picture 1">
-            <a:extLst>
-              <a:ext uri="{FF2B5EF4-FFF2-40B4-BE49-F238E27FC236}">
-                <a16:creationId xmlns:a16="http://schemas.microsoft.com/office/drawing/2014/main" id="{AE12A412-B750-D844-55B2-7C2D1BC7FCC8}"/>
+          <p:cNvPr id="6" name="Picture 5">
+            <a:extLst>
+              <a:ext uri="{FF2B5EF4-FFF2-40B4-BE49-F238E27FC236}">
+                <a16:creationId xmlns:a16="http://schemas.microsoft.com/office/drawing/2014/main" id="{D1C6A4F2-B9DC-5EEB-F118-67BBFEB0B4B8}"/>
               </a:ext>
             </a:extLst>
           </p:cNvPr>
@@ -20076,8 +20076,8 @@
         </p:blipFill>
         <p:spPr>
           <a:xfrm>
-            <a:off x="1332116" y="1092956"/>
-            <a:ext cx="8798203" cy="4868429"/>
+            <a:off x="1600200" y="882906"/>
+            <a:ext cx="8844280" cy="5070294"/>
           </a:xfrm>
           <a:prstGeom prst="rect">
             <a:avLst/>
@@ -20181,12 +20181,54 @@
           </a:p>
         </p:txBody>
       </p:sp>
+      <p:sp>
+        <p:nvSpPr>
+          <p:cNvPr id="11" name="TextBox 10">
+            <a:extLst>
+              <a:ext uri="{FF2B5EF4-FFF2-40B4-BE49-F238E27FC236}">
+                <a16:creationId xmlns:a16="http://schemas.microsoft.com/office/drawing/2014/main" id="{C5D4C841-CD37-74DD-1AAA-90A58ECEE4D7}"/>
+              </a:ext>
+            </a:extLst>
+          </p:cNvPr>
+          <p:cNvSpPr txBox="1"/>
+          <p:nvPr/>
+        </p:nvSpPr>
+        <p:spPr>
+          <a:xfrm>
+            <a:off x="318498" y="421241"/>
+            <a:ext cx="1077539" cy="461665"/>
+          </a:xfrm>
+          <a:prstGeom prst="rect">
+            <a:avLst/>
+          </a:prstGeom>
+          <a:noFill/>
+        </p:spPr>
+        <p:txBody>
+          <a:bodyPr wrap="none" rtlCol="0">
+            <a:spAutoFit/>
+          </a:bodyPr>
+          <a:lstStyle/>
+          <a:p>
+            <a:r>
+              <a:rPr lang="en-CN" sz="2400" dirty="0">
+                <a:solidFill>
+                  <a:schemeClr val="bg1"/>
+                </a:solidFill>
+                <a:latin typeface="Amazon Ember" panose="020B0603020204020204" pitchFamily="34" charset="0"/>
+                <a:ea typeface="Amazon Ember" panose="020B0603020204020204" pitchFamily="34" charset="0"/>
+                <a:cs typeface="Amazon Ember" panose="020B0603020204020204" pitchFamily="34" charset="0"/>
+              </a:rPr>
+              <a:t>Traces</a:t>
+            </a:r>
+          </a:p>
+        </p:txBody>
+      </p:sp>
       <p:pic>
         <p:nvPicPr>
-          <p:cNvPr id="9" name="Picture 8">
-            <a:extLst>
-              <a:ext uri="{FF2B5EF4-FFF2-40B4-BE49-F238E27FC236}">
-                <a16:creationId xmlns:a16="http://schemas.microsoft.com/office/drawing/2014/main" id="{8593FAA3-FFA1-D95F-0490-58CFBDB406ED}"/>
+          <p:cNvPr id="3" name="Picture 2">
+            <a:extLst>
+              <a:ext uri="{FF2B5EF4-FFF2-40B4-BE49-F238E27FC236}">
+                <a16:creationId xmlns:a16="http://schemas.microsoft.com/office/drawing/2014/main" id="{F3883F38-2963-8AA3-81E0-91256217C406}"/>
               </a:ext>
             </a:extLst>
           </p:cNvPr>
@@ -20203,56 +20245,14 @@
         </p:blipFill>
         <p:spPr>
           <a:xfrm>
-            <a:off x="1818974" y="1067612"/>
-            <a:ext cx="8554052" cy="4881126"/>
+            <a:off x="1116412" y="1032413"/>
+            <a:ext cx="8978010" cy="4793173"/>
           </a:xfrm>
           <a:prstGeom prst="rect">
             <a:avLst/>
           </a:prstGeom>
         </p:spPr>
       </p:pic>
-      <p:sp>
-        <p:nvSpPr>
-          <p:cNvPr id="11" name="TextBox 10">
-            <a:extLst>
-              <a:ext uri="{FF2B5EF4-FFF2-40B4-BE49-F238E27FC236}">
-                <a16:creationId xmlns:a16="http://schemas.microsoft.com/office/drawing/2014/main" id="{C5D4C841-CD37-74DD-1AAA-90A58ECEE4D7}"/>
-              </a:ext>
-            </a:extLst>
-          </p:cNvPr>
-          <p:cNvSpPr txBox="1"/>
-          <p:nvPr/>
-        </p:nvSpPr>
-        <p:spPr>
-          <a:xfrm>
-            <a:off x="318498" y="421241"/>
-            <a:ext cx="1077539" cy="461665"/>
-          </a:xfrm>
-          <a:prstGeom prst="rect">
-            <a:avLst/>
-          </a:prstGeom>
-          <a:noFill/>
-        </p:spPr>
-        <p:txBody>
-          <a:bodyPr wrap="none" rtlCol="0">
-            <a:spAutoFit/>
-          </a:bodyPr>
-          <a:lstStyle/>
-          <a:p>
-            <a:r>
-              <a:rPr lang="en-CN" sz="2400" dirty="0">
-                <a:solidFill>
-                  <a:schemeClr val="bg1"/>
-                </a:solidFill>
-                <a:latin typeface="Amazon Ember" panose="020B0603020204020204" pitchFamily="34" charset="0"/>
-                <a:ea typeface="Amazon Ember" panose="020B0603020204020204" pitchFamily="34" charset="0"/>
-                <a:cs typeface="Amazon Ember" panose="020B0603020204020204" pitchFamily="34" charset="0"/>
-              </a:rPr>
-              <a:t>Traces</a:t>
-            </a:r>
-          </a:p>
-        </p:txBody>
-      </p:sp>
     </p:spTree>
     <p:extLst>
       <p:ext uri="{BB962C8B-B14F-4D97-AF65-F5344CB8AC3E}">
@@ -20364,8 +20364,8 @@
         </p:nvSpPr>
         <p:spPr>
           <a:xfrm>
-            <a:off x="318498" y="421241"/>
-            <a:ext cx="2246128" cy="461665"/>
+            <a:off x="988950" y="2659559"/>
+            <a:ext cx="4375422" cy="769441"/>
           </a:xfrm>
           <a:prstGeom prst="rect">
             <a:avLst/>
@@ -20373,13 +20373,13 @@
           <a:noFill/>
         </p:spPr>
         <p:txBody>
-          <a:bodyPr wrap="none" rtlCol="0">
+          <a:bodyPr wrap="square" rtlCol="0">
             <a:spAutoFit/>
           </a:bodyPr>
           <a:lstStyle/>
           <a:p>
             <a:r>
-              <a:rPr lang="en-CN" sz="2400" dirty="0">
+              <a:rPr lang="en-CN" sz="4400" dirty="0">
                 <a:solidFill>
                   <a:schemeClr val="bg1"/>
                 </a:solidFill>
@@ -20387,7 +20387,7 @@
                 <a:ea typeface="Amazon Ember" panose="020B0603020204020204" pitchFamily="34" charset="0"/>
                 <a:cs typeface="Amazon Ember" panose="020B0603020204020204" pitchFamily="34" charset="0"/>
               </a:rPr>
-              <a:t>Configurations</a:t>
+              <a:t>Thank you</a:t>
             </a:r>
           </a:p>
         </p:txBody>
